--- a/Introduction To R & JSON.pptx
+++ b/Introduction To R & JSON.pptx
@@ -3724,6 +3724,77 @@
               <a:t>&amp;</a:t>
             </a:r>
             <a:endParaRPr lang="en-US" dirty="0"/>
+          </a:p>
+        </p:txBody>
+      </p:sp>
+      <p:pic>
+        <p:nvPicPr>
+          <p:cNvPr id="7" name="Picture 6">
+            <a:extLst>
+              <a:ext uri="{FF2B5EF4-FFF2-40B4-BE49-F238E27FC236}">
+                <a16:creationId xmlns:a16="http://schemas.microsoft.com/office/drawing/2014/main" id="{4D7F6B46-A724-440E-8746-F38FE55F04D2}"/>
+              </a:ext>
+            </a:extLst>
+          </p:cNvPr>
+          <p:cNvPicPr>
+            <a:picLocks noChangeAspect="1"/>
+          </p:cNvPicPr>
+          <p:nvPr/>
+        </p:nvPicPr>
+        <p:blipFill>
+          <a:blip r:embed="rId5">
+            <a:extLst>
+              <a:ext uri="{28A0092B-C50C-407E-A947-70E740481C1C}">
+                <a14:useLocalDpi xmlns:a14="http://schemas.microsoft.com/office/drawing/2010/main" val="0"/>
+              </a:ext>
+            </a:extLst>
+          </a:blip>
+          <a:stretch>
+            <a:fillRect/>
+          </a:stretch>
+        </p:blipFill>
+        <p:spPr>
+          <a:xfrm>
+            <a:off x="10109202" y="5617334"/>
+            <a:ext cx="914400" cy="1059895"/>
+          </a:xfrm>
+          <a:prstGeom prst="rect">
+            <a:avLst/>
+          </a:prstGeom>
+        </p:spPr>
+      </p:pic>
+      <p:sp>
+        <p:nvSpPr>
+          <p:cNvPr id="8" name="TextBox 7">
+            <a:extLst>
+              <a:ext uri="{FF2B5EF4-FFF2-40B4-BE49-F238E27FC236}">
+                <a16:creationId xmlns:a16="http://schemas.microsoft.com/office/drawing/2014/main" id="{6B1313CE-90B2-4DFA-AD1D-ED1A58F3470B}"/>
+              </a:ext>
+            </a:extLst>
+          </p:cNvPr>
+          <p:cNvSpPr txBox="1"/>
+          <p:nvPr/>
+        </p:nvSpPr>
+        <p:spPr>
+          <a:xfrm>
+            <a:off x="8810171" y="5892800"/>
+            <a:ext cx="1290225" cy="369332"/>
+          </a:xfrm>
+          <a:prstGeom prst="rect">
+            <a:avLst/>
+          </a:prstGeom>
+          <a:noFill/>
+        </p:spPr>
+        <p:txBody>
+          <a:bodyPr wrap="none" rtlCol="0">
+            <a:spAutoFit/>
+          </a:bodyPr>
+          <a:lstStyle/>
+          <a:p>
+            <a:r>
+              <a:rPr lang="en-US" dirty="0"/>
+              <a:t>Powered by</a:t>
+            </a:r>
           </a:p>
         </p:txBody>
       </p:sp>

--- a/Introduction To R & JSON.pptx
+++ b/Introduction To R & JSON.pptx
@@ -30,7 +30,8 @@
     <p:sldId id="276" r:id="rId24"/>
     <p:sldId id="277" r:id="rId25"/>
     <p:sldId id="278" r:id="rId26"/>
-    <p:sldId id="279" r:id="rId27"/>
+    <p:sldId id="292" r:id="rId27"/>
+    <p:sldId id="293" r:id="rId28"/>
   </p:sldIdLst>
   <p:sldSz cx="12192000" cy="6858000"/>
   <p:notesSz cx="6858000" cy="9144000"/>
@@ -3727,42 +3728,6 @@
           </a:p>
         </p:txBody>
       </p:sp>
-      <p:pic>
-        <p:nvPicPr>
-          <p:cNvPr id="7" name="Picture 6">
-            <a:extLst>
-              <a:ext uri="{FF2B5EF4-FFF2-40B4-BE49-F238E27FC236}">
-                <a16:creationId xmlns:a16="http://schemas.microsoft.com/office/drawing/2014/main" id="{4D7F6B46-A724-440E-8746-F38FE55F04D2}"/>
-              </a:ext>
-            </a:extLst>
-          </p:cNvPr>
-          <p:cNvPicPr>
-            <a:picLocks noChangeAspect="1"/>
-          </p:cNvPicPr>
-          <p:nvPr/>
-        </p:nvPicPr>
-        <p:blipFill>
-          <a:blip r:embed="rId5">
-            <a:extLst>
-              <a:ext uri="{28A0092B-C50C-407E-A947-70E740481C1C}">
-                <a14:useLocalDpi xmlns:a14="http://schemas.microsoft.com/office/drawing/2010/main" val="0"/>
-              </a:ext>
-            </a:extLst>
-          </a:blip>
-          <a:stretch>
-            <a:fillRect/>
-          </a:stretch>
-        </p:blipFill>
-        <p:spPr>
-          <a:xfrm>
-            <a:off x="10109202" y="5617334"/>
-            <a:ext cx="914400" cy="1059895"/>
-          </a:xfrm>
-          <a:prstGeom prst="rect">
-            <a:avLst/>
-          </a:prstGeom>
-        </p:spPr>
-      </p:pic>
       <p:sp>
         <p:nvSpPr>
           <p:cNvPr id="8" name="TextBox 7">
@@ -3798,6 +3763,53 @@
           </a:p>
         </p:txBody>
       </p:sp>
+      <p:pic>
+        <p:nvPicPr>
+          <p:cNvPr id="10" name="Picture 2" descr="Image result for RStudio logo">
+            <a:extLst>
+              <a:ext uri="{FF2B5EF4-FFF2-40B4-BE49-F238E27FC236}">
+                <a16:creationId xmlns:a16="http://schemas.microsoft.com/office/drawing/2014/main" id="{B32F3D5D-226A-4348-95BD-C88A650E0D3C}"/>
+              </a:ext>
+            </a:extLst>
+          </p:cNvPr>
+          <p:cNvPicPr>
+            <a:picLocks noChangeAspect="1" noChangeArrowheads="1"/>
+          </p:cNvPicPr>
+          <p:nvPr/>
+        </p:nvPicPr>
+        <p:blipFill>
+          <a:blip r:embed="rId5">
+            <a:extLst>
+              <a:ext uri="{28A0092B-C50C-407E-A947-70E740481C1C}">
+                <a14:useLocalDpi xmlns:a14="http://schemas.microsoft.com/office/drawing/2010/main" val="0"/>
+              </a:ext>
+            </a:extLst>
+          </a:blip>
+          <a:srcRect/>
+          <a:stretch>
+            <a:fillRect/>
+          </a:stretch>
+        </p:blipFill>
+        <p:spPr bwMode="auto">
+          <a:xfrm>
+            <a:off x="10100396" y="6077466"/>
+            <a:ext cx="1554480" cy="545896"/>
+          </a:xfrm>
+          <a:prstGeom prst="rect">
+            <a:avLst/>
+          </a:prstGeom>
+          <a:noFill/>
+          <a:extLst>
+            <a:ext uri="{909E8E84-426E-40DD-AFC4-6F175D3DCCD1}">
+              <a14:hiddenFill xmlns:a14="http://schemas.microsoft.com/office/drawing/2010/main">
+                <a:solidFill>
+                  <a:srgbClr val="FFFFFF"/>
+                </a:solidFill>
+              </a14:hiddenFill>
+            </a:ext>
+          </a:extLst>
+        </p:spPr>
+      </p:pic>
     </p:spTree>
     <p:extLst>
       <p:ext uri="{BB962C8B-B14F-4D97-AF65-F5344CB8AC3E}">
@@ -10886,7 +10898,7 @@
           <p:cNvPr id="2" name="Title 1">
             <a:extLst>
               <a:ext uri="{FF2B5EF4-FFF2-40B4-BE49-F238E27FC236}">
-                <a16:creationId xmlns:a16="http://schemas.microsoft.com/office/drawing/2014/main" id="{329F0A95-CFB1-4960-B8F0-B473FF57DD25}"/>
+                <a16:creationId xmlns:a16="http://schemas.microsoft.com/office/drawing/2014/main" id="{827FFEC0-0F77-449D-BBF0-612A38986E4A}"/>
               </a:ext>
             </a:extLst>
           </p:cNvPr>
@@ -10899,17 +10911,228 @@
         </p:nvSpPr>
         <p:spPr/>
         <p:txBody>
+          <a:bodyPr>
+            <a:normAutofit/>
+          </a:bodyPr>
+          <a:lstStyle/>
+          <a:p>
+            <a:pPr algn="ctr"/>
+            <a:r>
+              <a:rPr lang="en-US" sz="8800" b="1" dirty="0">
+                <a:latin typeface="Arial" panose="020B0604020202020204" pitchFamily="34" charset="0"/>
+                <a:cs typeface="Arial" panose="020B0604020202020204" pitchFamily="34" charset="0"/>
+              </a:rPr>
+              <a:t>???</a:t>
+            </a:r>
+            <a:br>
+              <a:rPr lang="en-US" sz="8800" b="1" dirty="0">
+                <a:latin typeface="Arial" panose="020B0604020202020204" pitchFamily="34" charset="0"/>
+                <a:cs typeface="Arial" panose="020B0604020202020204" pitchFamily="34" charset="0"/>
+              </a:rPr>
+            </a:br>
+            <a:r>
+              <a:rPr lang="en-US" sz="8800" b="1" dirty="0">
+                <a:solidFill>
+                  <a:schemeClr val="bg1">
+                    <a:lumMod val="75000"/>
+                  </a:schemeClr>
+                </a:solidFill>
+                <a:latin typeface="Arial" panose="020B0604020202020204" pitchFamily="34" charset="0"/>
+                <a:cs typeface="Arial" panose="020B0604020202020204" pitchFamily="34" charset="0"/>
+              </a:rPr>
+              <a:t>{</a:t>
+            </a:r>
+            <a:r>
+              <a:rPr lang="en-US" sz="7200" b="1" dirty="0">
+                <a:solidFill>
+                  <a:srgbClr val="0070C0"/>
+                </a:solidFill>
+                <a:latin typeface="Arial" panose="020B0604020202020204" pitchFamily="34" charset="0"/>
+                <a:cs typeface="Arial" panose="020B0604020202020204" pitchFamily="34" charset="0"/>
+              </a:rPr>
+              <a:t>Q </a:t>
+            </a:r>
+            <a:r>
+              <a:rPr lang="en-US" sz="7200" b="1" dirty="0">
+                <a:latin typeface="Arial" panose="020B0604020202020204" pitchFamily="34" charset="0"/>
+                <a:cs typeface="Arial" panose="020B0604020202020204" pitchFamily="34" charset="0"/>
+              </a:rPr>
+              <a:t>&amp;</a:t>
+            </a:r>
+            <a:r>
+              <a:rPr lang="en-US" sz="7200" b="1" dirty="0">
+                <a:solidFill>
+                  <a:srgbClr val="0070C0"/>
+                </a:solidFill>
+                <a:latin typeface="Arial" panose="020B0604020202020204" pitchFamily="34" charset="0"/>
+                <a:cs typeface="Arial" panose="020B0604020202020204" pitchFamily="34" charset="0"/>
+              </a:rPr>
+              <a:t> A</a:t>
+            </a:r>
+            <a:r>
+              <a:rPr lang="en-US" sz="8800" b="1" dirty="0">
+                <a:solidFill>
+                  <a:schemeClr val="bg1">
+                    <a:lumMod val="75000"/>
+                  </a:schemeClr>
+                </a:solidFill>
+                <a:latin typeface="Arial" panose="020B0604020202020204" pitchFamily="34" charset="0"/>
+                <a:cs typeface="Arial" panose="020B0604020202020204" pitchFamily="34" charset="0"/>
+              </a:rPr>
+              <a:t>}</a:t>
+            </a:r>
+            <a:endParaRPr lang="en-US" sz="8800" b="1" dirty="0">
+              <a:latin typeface="Arial" panose="020B0604020202020204" pitchFamily="34" charset="0"/>
+              <a:cs typeface="Arial" panose="020B0604020202020204" pitchFamily="34" charset="0"/>
+            </a:endParaRPr>
+          </a:p>
+        </p:txBody>
+      </p:sp>
+      <p:sp>
+        <p:nvSpPr>
+          <p:cNvPr id="3" name="Text Placeholder 2">
+            <a:extLst>
+              <a:ext uri="{FF2B5EF4-FFF2-40B4-BE49-F238E27FC236}">
+                <a16:creationId xmlns:a16="http://schemas.microsoft.com/office/drawing/2014/main" id="{5CCA2721-F6B1-4D5B-88D4-5D84F0DD1B4B}"/>
+              </a:ext>
+            </a:extLst>
+          </p:cNvPr>
+          <p:cNvSpPr>
+            <a:spLocks noGrp="1"/>
+          </p:cNvSpPr>
+          <p:nvPr>
+            <p:ph type="body" idx="1"/>
+          </p:nvPr>
+        </p:nvSpPr>
+        <p:spPr/>
+        <p:txBody>
           <a:bodyPr/>
           <a:lstStyle/>
           <a:p>
-            <a:endParaRPr lang="en-US"/>
+            <a:pPr algn="ctr"/>
+            <a:endParaRPr lang="en-US" dirty="0"/>
           </a:p>
         </p:txBody>
       </p:sp>
     </p:spTree>
     <p:extLst>
       <p:ext uri="{BB962C8B-B14F-4D97-AF65-F5344CB8AC3E}">
-        <p14:creationId xmlns:p14="http://schemas.microsoft.com/office/powerpoint/2010/main" val="3584642286"/>
+        <p14:creationId xmlns:p14="http://schemas.microsoft.com/office/powerpoint/2010/main" val="2755387787"/>
+      </p:ext>
+    </p:extLst>
+  </p:cSld>
+  <p:clrMapOvr>
+    <a:masterClrMapping/>
+  </p:clrMapOvr>
+</p:sld>
+</file>
+
+<file path=ppt/slides/slide27.xml><?xml version="1.0" encoding="utf-8"?>
+<p:sld xmlns:a="http://schemas.openxmlformats.org/drawingml/2006/main" xmlns:r="http://schemas.openxmlformats.org/officeDocument/2006/relationships" xmlns:p="http://schemas.openxmlformats.org/presentationml/2006/main">
+  <p:cSld>
+    <p:spTree>
+      <p:nvGrpSpPr>
+        <p:cNvPr id="1" name=""/>
+        <p:cNvGrpSpPr/>
+        <p:nvPr/>
+      </p:nvGrpSpPr>
+      <p:grpSpPr>
+        <a:xfrm>
+          <a:off x="0" y="0"/>
+          <a:ext cx="0" cy="0"/>
+          <a:chOff x="0" y="0"/>
+          <a:chExt cx="0" cy="0"/>
+        </a:xfrm>
+      </p:grpSpPr>
+      <p:sp>
+        <p:nvSpPr>
+          <p:cNvPr id="2" name="Title 1">
+            <a:extLst>
+              <a:ext uri="{FF2B5EF4-FFF2-40B4-BE49-F238E27FC236}">
+                <a16:creationId xmlns:a16="http://schemas.microsoft.com/office/drawing/2014/main" id="{827FFEC0-0F77-449D-BBF0-612A38986E4A}"/>
+              </a:ext>
+            </a:extLst>
+          </p:cNvPr>
+          <p:cNvSpPr>
+            <a:spLocks noGrp="1"/>
+          </p:cNvSpPr>
+          <p:nvPr>
+            <p:ph type="title"/>
+          </p:nvPr>
+        </p:nvSpPr>
+        <p:spPr/>
+        <p:txBody>
+          <a:bodyPr>
+            <a:normAutofit/>
+          </a:bodyPr>
+          <a:lstStyle/>
+          <a:p>
+            <a:pPr algn="ctr"/>
+            <a:br>
+              <a:rPr lang="en-US" sz="8800" b="1" dirty="0">
+                <a:latin typeface="Arial" panose="020B0604020202020204" pitchFamily="34" charset="0"/>
+                <a:cs typeface="Arial" panose="020B0604020202020204" pitchFamily="34" charset="0"/>
+              </a:rPr>
+            </a:br>
+            <a:r>
+              <a:rPr lang="en-US" sz="8800" b="1" dirty="0" err="1">
+                <a:solidFill>
+                  <a:schemeClr val="bg1">
+                    <a:lumMod val="75000"/>
+                  </a:schemeClr>
+                </a:solidFill>
+                <a:latin typeface="Arial" panose="020B0604020202020204" pitchFamily="34" charset="0"/>
+                <a:cs typeface="Arial" panose="020B0604020202020204" pitchFamily="34" charset="0"/>
+              </a:rPr>
+              <a:t>Thank</a:t>
+            </a:r>
+            <a:r>
+              <a:rPr lang="en-US" sz="9600" b="1" dirty="0" err="1">
+                <a:solidFill>
+                  <a:srgbClr val="0070C0"/>
+                </a:solidFill>
+                <a:latin typeface="Arial" panose="020B0604020202020204" pitchFamily="34" charset="0"/>
+                <a:cs typeface="Arial" panose="020B0604020202020204" pitchFamily="34" charset="0"/>
+              </a:rPr>
+              <a:t>Q</a:t>
+            </a:r>
+            <a:endParaRPr lang="en-US" sz="8800" b="1" dirty="0">
+              <a:latin typeface="Arial" panose="020B0604020202020204" pitchFamily="34" charset="0"/>
+              <a:cs typeface="Arial" panose="020B0604020202020204" pitchFamily="34" charset="0"/>
+            </a:endParaRPr>
+          </a:p>
+        </p:txBody>
+      </p:sp>
+      <p:sp>
+        <p:nvSpPr>
+          <p:cNvPr id="3" name="Text Placeholder 2">
+            <a:extLst>
+              <a:ext uri="{FF2B5EF4-FFF2-40B4-BE49-F238E27FC236}">
+                <a16:creationId xmlns:a16="http://schemas.microsoft.com/office/drawing/2014/main" id="{5CCA2721-F6B1-4D5B-88D4-5D84F0DD1B4B}"/>
+              </a:ext>
+            </a:extLst>
+          </p:cNvPr>
+          <p:cNvSpPr>
+            <a:spLocks noGrp="1"/>
+          </p:cNvSpPr>
+          <p:nvPr>
+            <p:ph type="body" idx="1"/>
+          </p:nvPr>
+        </p:nvSpPr>
+        <p:spPr/>
+        <p:txBody>
+          <a:bodyPr/>
+          <a:lstStyle/>
+          <a:p>
+            <a:pPr algn="ctr"/>
+            <a:endParaRPr lang="en-US" dirty="0"/>
+          </a:p>
+        </p:txBody>
+      </p:sp>
+    </p:spTree>
+    <p:extLst>
+      <p:ext uri="{BB962C8B-B14F-4D97-AF65-F5344CB8AC3E}">
+        <p14:creationId xmlns:p14="http://schemas.microsoft.com/office/powerpoint/2010/main" val="4118119215"/>
       </p:ext>
     </p:extLst>
   </p:cSld>

--- a/Introduction To R & JSON.pptx
+++ b/Introduction To R & JSON.pptx
@@ -29,9 +29,10 @@
     <p:sldId id="275" r:id="rId23"/>
     <p:sldId id="276" r:id="rId24"/>
     <p:sldId id="277" r:id="rId25"/>
-    <p:sldId id="278" r:id="rId26"/>
-    <p:sldId id="292" r:id="rId27"/>
-    <p:sldId id="293" r:id="rId28"/>
+    <p:sldId id="294" r:id="rId26"/>
+    <p:sldId id="278" r:id="rId27"/>
+    <p:sldId id="292" r:id="rId28"/>
+    <p:sldId id="293" r:id="rId29"/>
   </p:sldIdLst>
   <p:sldSz cx="12192000" cy="6858000"/>
   <p:notesSz cx="6858000" cy="9144000"/>
@@ -6108,7 +6109,7 @@
         </p:style>
         <p:txBody>
           <a:bodyPr>
-            <a:normAutofit fontScale="92500" lnSpcReduction="20000"/>
+            <a:normAutofit fontScale="77500" lnSpcReduction="20000"/>
           </a:bodyPr>
           <a:lstStyle/>
           <a:p>
@@ -6124,15 +6125,22 @@
             <a:r>
               <a:rPr lang="sv-SE" sz="1600" b="1" dirty="0">
                 <a:solidFill>
-                  <a:schemeClr val="accent6">
-                    <a:lumMod val="60000"/>
-                    <a:lumOff val="40000"/>
-                  </a:schemeClr>
+                  <a:srgbClr val="0070C0"/>
                 </a:solidFill>
                 <a:latin typeface="Lucida Console" panose="020B0609040504020204" pitchFamily="49" charset="0"/>
                 <a:cs typeface="Arial" panose="020B0604020202020204" pitchFamily="34" charset="0"/>
               </a:rPr>
-              <a:t># Read JSON text</a:t>
+              <a:t>library</a:t>
+            </a:r>
+            <a:r>
+              <a:rPr lang="sv-SE" sz="1600" b="1" dirty="0">
+                <a:solidFill>
+                  <a:schemeClr val="tx1"/>
+                </a:solidFill>
+                <a:latin typeface="Lucida Console" panose="020B0609040504020204" pitchFamily="49" charset="0"/>
+                <a:cs typeface="Arial" panose="020B0604020202020204" pitchFamily="34" charset="0"/>
+              </a:rPr>
+              <a:t>(jsonlite)</a:t>
             </a:r>
           </a:p>
           <a:p>
@@ -6146,24 +6154,17 @@
               <a:buNone/>
             </a:pPr>
             <a:r>
-              <a:rPr lang="en-US" sz="1600" b="1" dirty="0">
-                <a:solidFill>
-                  <a:schemeClr val="tx1"/>
+              <a:rPr lang="sv-SE" sz="1600" b="1" dirty="0">
+                <a:solidFill>
+                  <a:schemeClr val="accent6">
+                    <a:lumMod val="60000"/>
+                    <a:lumOff val="40000"/>
+                  </a:schemeClr>
                 </a:solidFill>
                 <a:latin typeface="Lucida Console" panose="020B0609040504020204" pitchFamily="49" charset="0"/>
                 <a:cs typeface="Arial" panose="020B0604020202020204" pitchFamily="34" charset="0"/>
               </a:rPr>
-              <a:t>json1 &lt;- </a:t>
-            </a:r>
-            <a:r>
-              <a:rPr lang="en-US" sz="1600" b="1" dirty="0">
-                <a:solidFill>
-                  <a:schemeClr val="accent6"/>
-                </a:solidFill>
-                <a:latin typeface="Lucida Console" panose="020B0609040504020204" pitchFamily="49" charset="0"/>
-                <a:cs typeface="Arial" panose="020B0604020202020204" pitchFamily="34" charset="0"/>
-              </a:rPr>
-              <a:t>'{ </a:t>
+              <a:t># Read JSON text</a:t>
             </a:r>
           </a:p>
           <a:p>
@@ -6179,12 +6180,22 @@
             <a:r>
               <a:rPr lang="en-US" sz="1600" b="1" dirty="0">
                 <a:solidFill>
+                  <a:schemeClr val="tx1"/>
+                </a:solidFill>
+                <a:latin typeface="Lucida Console" panose="020B0609040504020204" pitchFamily="49" charset="0"/>
+                <a:cs typeface="Arial" panose="020B0604020202020204" pitchFamily="34" charset="0"/>
+              </a:rPr>
+              <a:t>json1 &lt;- </a:t>
+            </a:r>
+            <a:r>
+              <a:rPr lang="en-US" sz="1600" b="1" dirty="0">
+                <a:solidFill>
                   <a:schemeClr val="accent6"/>
                 </a:solidFill>
                 <a:latin typeface="Lucida Console" panose="020B0609040504020204" pitchFamily="49" charset="0"/>
                 <a:cs typeface="Arial" panose="020B0604020202020204" pitchFamily="34" charset="0"/>
               </a:rPr>
-              <a:t>  "ID":[1,2,3,4,5],</a:t>
+              <a:t>'{ </a:t>
             </a:r>
           </a:p>
           <a:p>
@@ -6205,27 +6216,7 @@
                 <a:latin typeface="Lucida Console" panose="020B0609040504020204" pitchFamily="49" charset="0"/>
                 <a:cs typeface="Arial" panose="020B0604020202020204" pitchFamily="34" charset="0"/>
               </a:rPr>
-              <a:t>  "Name":["</a:t>
-            </a:r>
-            <a:r>
-              <a:rPr lang="en-US" sz="1600" b="1" dirty="0" err="1">
-                <a:solidFill>
-                  <a:schemeClr val="accent6"/>
-                </a:solidFill>
-                <a:latin typeface="Lucida Console" panose="020B0609040504020204" pitchFamily="49" charset="0"/>
-                <a:cs typeface="Arial" panose="020B0604020202020204" pitchFamily="34" charset="0"/>
-              </a:rPr>
-              <a:t>Rick","Dan","Michelle","Ryan","Gary</a:t>
-            </a:r>
-            <a:r>
-              <a:rPr lang="en-US" sz="1600" b="1" dirty="0">
-                <a:solidFill>
-                  <a:schemeClr val="accent6"/>
-                </a:solidFill>
-                <a:latin typeface="Lucida Console" panose="020B0609040504020204" pitchFamily="49" charset="0"/>
-                <a:cs typeface="Arial" panose="020B0604020202020204" pitchFamily="34" charset="0"/>
-              </a:rPr>
-              <a:t>"],</a:t>
+              <a:t>  "ID":[1,2,3,4,5],</a:t>
             </a:r>
           </a:p>
           <a:p>
@@ -6246,7 +6237,27 @@
                 <a:latin typeface="Lucida Console" panose="020B0609040504020204" pitchFamily="49" charset="0"/>
                 <a:cs typeface="Arial" panose="020B0604020202020204" pitchFamily="34" charset="0"/>
               </a:rPr>
-              <a:t>  "Salary":[623.3,515.2,611,729,843.25],</a:t>
+              <a:t>  "Name":["</a:t>
+            </a:r>
+            <a:r>
+              <a:rPr lang="en-US" sz="1600" b="1" dirty="0" err="1">
+                <a:solidFill>
+                  <a:schemeClr val="accent6"/>
+                </a:solidFill>
+                <a:latin typeface="Lucida Console" panose="020B0609040504020204" pitchFamily="49" charset="0"/>
+                <a:cs typeface="Arial" panose="020B0604020202020204" pitchFamily="34" charset="0"/>
+              </a:rPr>
+              <a:t>Rick","Dan","Michelle","Ryan","Gary</a:t>
+            </a:r>
+            <a:r>
+              <a:rPr lang="en-US" sz="1600" b="1" dirty="0">
+                <a:solidFill>
+                  <a:schemeClr val="accent6"/>
+                </a:solidFill>
+                <a:latin typeface="Lucida Console" panose="020B0609040504020204" pitchFamily="49" charset="0"/>
+                <a:cs typeface="Arial" panose="020B0604020202020204" pitchFamily="34" charset="0"/>
+              </a:rPr>
+              <a:t>"],</a:t>
             </a:r>
           </a:p>
           <a:p>
@@ -6267,7 +6278,7 @@
                 <a:latin typeface="Lucida Console" panose="020B0609040504020204" pitchFamily="49" charset="0"/>
                 <a:cs typeface="Arial" panose="020B0604020202020204" pitchFamily="34" charset="0"/>
               </a:rPr>
-              <a:t>  "StartDate":["1/1/2012","9/23/2013","11/15/2014","5/11/2014","3/27/2015"],</a:t>
+              <a:t>  "Salary":[623.3,515.2,611,729,843.25],</a:t>
             </a:r>
           </a:p>
           <a:p>
@@ -6288,27 +6299,7 @@
                 <a:latin typeface="Lucida Console" panose="020B0609040504020204" pitchFamily="49" charset="0"/>
                 <a:cs typeface="Arial" panose="020B0604020202020204" pitchFamily="34" charset="0"/>
               </a:rPr>
-              <a:t>  "Dept":["</a:t>
-            </a:r>
-            <a:r>
-              <a:rPr lang="en-US" sz="1600" b="1" dirty="0" err="1">
-                <a:solidFill>
-                  <a:schemeClr val="accent6"/>
-                </a:solidFill>
-                <a:latin typeface="Lucida Console" panose="020B0609040504020204" pitchFamily="49" charset="0"/>
-                <a:cs typeface="Arial" panose="020B0604020202020204" pitchFamily="34" charset="0"/>
-              </a:rPr>
-              <a:t>IT","Operations","IT","HR","Finance</a:t>
-            </a:r>
-            <a:r>
-              <a:rPr lang="en-US" sz="1600" b="1" dirty="0">
-                <a:solidFill>
-                  <a:schemeClr val="accent6"/>
-                </a:solidFill>
-                <a:latin typeface="Lucida Console" panose="020B0609040504020204" pitchFamily="49" charset="0"/>
-                <a:cs typeface="Arial" panose="020B0604020202020204" pitchFamily="34" charset="0"/>
-              </a:rPr>
-              <a:t>"]</a:t>
+              <a:t>  "StartDate":["1/1/2012","9/23/2013","11/15/2014","5/11/2014","3/27/2015"],</a:t>
             </a:r>
           </a:p>
           <a:p>
@@ -6329,7 +6320,27 @@
                 <a:latin typeface="Lucida Console" panose="020B0609040504020204" pitchFamily="49" charset="0"/>
                 <a:cs typeface="Arial" panose="020B0604020202020204" pitchFamily="34" charset="0"/>
               </a:rPr>
-              <a:t>}’</a:t>
+              <a:t>  "Dept":["</a:t>
+            </a:r>
+            <a:r>
+              <a:rPr lang="en-US" sz="1600" b="1" dirty="0" err="1">
+                <a:solidFill>
+                  <a:schemeClr val="accent6"/>
+                </a:solidFill>
+                <a:latin typeface="Lucida Console" panose="020B0609040504020204" pitchFamily="49" charset="0"/>
+                <a:cs typeface="Arial" panose="020B0604020202020204" pitchFamily="34" charset="0"/>
+              </a:rPr>
+              <a:t>IT","Operations","IT","HR","Finance</a:t>
+            </a:r>
+            <a:r>
+              <a:rPr lang="en-US" sz="1600" b="1" dirty="0">
+                <a:solidFill>
+                  <a:schemeClr val="accent6"/>
+                </a:solidFill>
+                <a:latin typeface="Lucida Console" panose="020B0609040504020204" pitchFamily="49" charset="0"/>
+                <a:cs typeface="Arial" panose="020B0604020202020204" pitchFamily="34" charset="0"/>
+              </a:rPr>
+              <a:t>"]</a:t>
             </a:r>
           </a:p>
           <a:p>
@@ -6345,32 +6356,12 @@
             <a:r>
               <a:rPr lang="en-US" sz="1600" b="1" dirty="0">
                 <a:solidFill>
-                  <a:schemeClr val="tx1"/>
+                  <a:schemeClr val="accent6"/>
                 </a:solidFill>
                 <a:latin typeface="Lucida Console" panose="020B0609040504020204" pitchFamily="49" charset="0"/>
                 <a:cs typeface="Arial" panose="020B0604020202020204" pitchFamily="34" charset="0"/>
               </a:rPr>
-              <a:t>x1 &lt;- </a:t>
-            </a:r>
-            <a:r>
-              <a:rPr lang="en-US" sz="1600" b="1" dirty="0" err="1">
-                <a:solidFill>
-                  <a:schemeClr val="tx1"/>
-                </a:solidFill>
-                <a:latin typeface="Lucida Console" panose="020B0609040504020204" pitchFamily="49" charset="0"/>
-                <a:cs typeface="Arial" panose="020B0604020202020204" pitchFamily="34" charset="0"/>
-              </a:rPr>
-              <a:t>fromJSON</a:t>
-            </a:r>
-            <a:r>
-              <a:rPr lang="en-US" sz="1600" b="1" dirty="0">
-                <a:solidFill>
-                  <a:schemeClr val="tx1"/>
-                </a:solidFill>
-                <a:latin typeface="Lucida Console" panose="020B0609040504020204" pitchFamily="49" charset="0"/>
-                <a:cs typeface="Arial" panose="020B0604020202020204" pitchFamily="34" charset="0"/>
-              </a:rPr>
-              <a:t>(json1)</a:t>
+              <a:t>}’</a:t>
             </a:r>
           </a:p>
           <a:p>
@@ -6391,11 +6382,62 @@
                 <a:latin typeface="Lucida Console" panose="020B0609040504020204" pitchFamily="49" charset="0"/>
                 <a:cs typeface="Arial" panose="020B0604020202020204" pitchFamily="34" charset="0"/>
               </a:rPr>
-              <a:t>str(x1)</a:t>
-            </a:r>
-            <a:endParaRPr lang="sv-SE" sz="1600" b="1" dirty="0">
+              <a:t>x1 &lt;- </a:t>
+            </a:r>
+            <a:r>
+              <a:rPr lang="en-US" sz="1600" b="1" dirty="0" err="1">
+                <a:solidFill>
+                  <a:schemeClr val="tx1"/>
+                </a:solidFill>
+                <a:latin typeface="Lucida Console" panose="020B0609040504020204" pitchFamily="49" charset="0"/>
+                <a:cs typeface="Arial" panose="020B0604020202020204" pitchFamily="34" charset="0"/>
+              </a:rPr>
+              <a:t>fromJSON</a:t>
+            </a:r>
+            <a:r>
+              <a:rPr lang="en-US" sz="1600" b="1" dirty="0">
+                <a:solidFill>
+                  <a:schemeClr val="tx1"/>
+                </a:solidFill>
+                <a:latin typeface="Lucida Console" panose="020B0609040504020204" pitchFamily="49" charset="0"/>
+                <a:cs typeface="Arial" panose="020B0604020202020204" pitchFamily="34" charset="0"/>
+              </a:rPr>
+              <a:t>(json1)</a:t>
+            </a:r>
+          </a:p>
+          <a:p>
+            <a:pPr marL="457200" indent="0">
+              <a:lnSpc>
+                <a:spcPct val="160000"/>
+              </a:lnSpc>
+              <a:spcBef>
+                <a:spcPts val="0"/>
+              </a:spcBef>
+              <a:buNone/>
+            </a:pPr>
+            <a:r>
+              <a:rPr lang="en-US" sz="1600" b="1" dirty="0">
+                <a:solidFill>
+                  <a:schemeClr val="tx1"/>
+                </a:solidFill>
+                <a:latin typeface="Lucida Console" panose="020B0609040504020204" pitchFamily="49" charset="0"/>
+                <a:cs typeface="Arial" panose="020B0604020202020204" pitchFamily="34" charset="0"/>
+              </a:rPr>
+              <a:t>str(x1) </a:t>
+            </a:r>
+            <a:r>
+              <a:rPr lang="en-US" sz="1600" b="1" i="1" dirty="0">
+                <a:solidFill>
+                  <a:schemeClr val="accent6"/>
+                </a:solidFill>
+                <a:latin typeface="Lucida Console" panose="020B0609040504020204" pitchFamily="49" charset="0"/>
+                <a:cs typeface="Arial" panose="020B0604020202020204" pitchFamily="34" charset="0"/>
+              </a:rPr>
+              <a:t># List</a:t>
+            </a:r>
+            <a:endParaRPr lang="sv-SE" sz="1600" b="1" i="1" dirty="0">
               <a:solidFill>
-                <a:schemeClr val="tx1"/>
+                <a:schemeClr val="accent6"/>
               </a:solidFill>
               <a:latin typeface="Lucida Console" panose="020B0609040504020204" pitchFamily="49" charset="0"/>
               <a:cs typeface="Arial" panose="020B0604020202020204" pitchFamily="34" charset="0"/>
@@ -6861,7 +6903,7 @@
         </p:style>
         <p:txBody>
           <a:bodyPr>
-            <a:normAutofit fontScale="92500" lnSpcReduction="20000"/>
+            <a:normAutofit fontScale="85000" lnSpcReduction="20000"/>
           </a:bodyPr>
           <a:lstStyle/>
           <a:p>
@@ -7104,8 +7146,36 @@
                 <a:latin typeface="Lucida Console" panose="020B0609040504020204" pitchFamily="49" charset="0"/>
                 <a:cs typeface="Arial" panose="020B0604020202020204" pitchFamily="34" charset="0"/>
               </a:rPr>
-              <a:t>str(x2)</a:t>
-            </a:r>
+              <a:t>str(x2) </a:t>
+            </a:r>
+            <a:r>
+              <a:rPr lang="en-US" sz="1600" b="1" i="1" dirty="0">
+                <a:solidFill>
+                  <a:schemeClr val="accent6"/>
+                </a:solidFill>
+                <a:latin typeface="Lucida Console" panose="020B0609040504020204" pitchFamily="49" charset="0"/>
+                <a:cs typeface="Arial" panose="020B0604020202020204" pitchFamily="34" charset="0"/>
+              </a:rPr>
+              <a:t># List</a:t>
+            </a:r>
+            <a:endParaRPr lang="sv-SE" sz="1600" b="1" i="1" dirty="0">
+              <a:solidFill>
+                <a:schemeClr val="accent6"/>
+              </a:solidFill>
+              <a:latin typeface="Lucida Console" panose="020B0609040504020204" pitchFamily="49" charset="0"/>
+              <a:cs typeface="Arial" panose="020B0604020202020204" pitchFamily="34" charset="0"/>
+            </a:endParaRPr>
+          </a:p>
+          <a:p>
+            <a:pPr marL="457200" indent="0">
+              <a:lnSpc>
+                <a:spcPct val="160000"/>
+              </a:lnSpc>
+              <a:spcBef>
+                <a:spcPts val="0"/>
+              </a:spcBef>
+              <a:buNone/>
+            </a:pPr>
             <a:endParaRPr lang="sv-SE" sz="1600" b="1" dirty="0">
               <a:solidFill>
                 <a:schemeClr val="tx1"/>
@@ -7993,8 +8063,35 @@
                 <a:latin typeface="Lucida Console" panose="020B0609040504020204" pitchFamily="49" charset="0"/>
                 <a:cs typeface="Arial" panose="020B0604020202020204" pitchFamily="34" charset="0"/>
               </a:rPr>
-              <a:t>str(x3)</a:t>
-            </a:r>
+              <a:t>str(x3) </a:t>
+            </a:r>
+            <a:r>
+              <a:rPr lang="en-US" sz="1600" b="1" i="1" dirty="0">
+                <a:solidFill>
+                  <a:schemeClr val="accent6"/>
+                </a:solidFill>
+                <a:latin typeface="Lucida Console" panose="020B0609040504020204" pitchFamily="49" charset="0"/>
+                <a:cs typeface="Arial" panose="020B0604020202020204" pitchFamily="34" charset="0"/>
+              </a:rPr>
+              <a:t># </a:t>
+            </a:r>
+            <a:r>
+              <a:rPr lang="en-US" sz="1600" b="1" i="1" dirty="0" err="1">
+                <a:solidFill>
+                  <a:schemeClr val="accent6"/>
+                </a:solidFill>
+                <a:latin typeface="Lucida Console" panose="020B0609040504020204" pitchFamily="49" charset="0"/>
+                <a:cs typeface="Arial" panose="020B0604020202020204" pitchFamily="34" charset="0"/>
+              </a:rPr>
+              <a:t>Dataframe</a:t>
+            </a:r>
+            <a:endParaRPr lang="sv-SE" sz="1600" b="1" dirty="0">
+              <a:solidFill>
+                <a:schemeClr val="tx1"/>
+              </a:solidFill>
+              <a:latin typeface="Lucida Console" panose="020B0609040504020204" pitchFamily="49" charset="0"/>
+              <a:cs typeface="Arial" panose="020B0604020202020204" pitchFamily="34" charset="0"/>
+            </a:endParaRPr>
           </a:p>
         </p:txBody>
       </p:sp>
@@ -8111,7 +8208,7 @@
         </p:nvSpPr>
         <p:spPr>
           <a:xfrm>
-            <a:off x="838200" y="1825625"/>
+            <a:off x="838200" y="1985281"/>
             <a:ext cx="10515600" cy="1236230"/>
           </a:xfrm>
           <a:prstGeom prst="roundRect">
@@ -10121,6 +10218,293 @@
           <p:cNvPr id="2" name="Title 1">
             <a:extLst>
               <a:ext uri="{FF2B5EF4-FFF2-40B4-BE49-F238E27FC236}">
+                <a16:creationId xmlns:a16="http://schemas.microsoft.com/office/drawing/2014/main" id="{513692FC-BC80-4DFC-B860-F2AB06B33ACD}"/>
+              </a:ext>
+            </a:extLst>
+          </p:cNvPr>
+          <p:cNvSpPr>
+            <a:spLocks noGrp="1"/>
+          </p:cNvSpPr>
+          <p:nvPr>
+            <p:ph type="title"/>
+          </p:nvPr>
+        </p:nvSpPr>
+        <p:spPr/>
+        <p:txBody>
+          <a:bodyPr/>
+          <a:lstStyle/>
+          <a:p>
+            <a:r>
+              <a:rPr lang="en-US" sz="6600" b="1" dirty="0">
+                <a:solidFill>
+                  <a:prstClr val="white">
+                    <a:lumMod val="65000"/>
+                  </a:prstClr>
+                </a:solidFill>
+              </a:rPr>
+              <a:t>{</a:t>
+            </a:r>
+            <a:r>
+              <a:rPr lang="en-US" sz="5400" b="1" dirty="0">
+                <a:solidFill>
+                  <a:srgbClr val="0070C0"/>
+                </a:solidFill>
+                <a:latin typeface="Arial" panose="020B0604020202020204" pitchFamily="34" charset="0"/>
+                <a:cs typeface="Arial" panose="020B0604020202020204" pitchFamily="34" charset="0"/>
+              </a:rPr>
+              <a:t>JSON</a:t>
+            </a:r>
+            <a:r>
+              <a:rPr lang="en-US" sz="6600" b="1" dirty="0">
+                <a:solidFill>
+                  <a:prstClr val="white">
+                    <a:lumMod val="65000"/>
+                  </a:prstClr>
+                </a:solidFill>
+              </a:rPr>
+              <a:t>} – </a:t>
+            </a:r>
+            <a:r>
+              <a:rPr lang="en-US" sz="5400" b="1" dirty="0">
+                <a:solidFill>
+                  <a:srgbClr val="0070C0"/>
+                </a:solidFill>
+                <a:latin typeface="Arial" panose="020B0604020202020204" pitchFamily="34" charset="0"/>
+                <a:cs typeface="Arial" panose="020B0604020202020204" pitchFamily="34" charset="0"/>
+              </a:rPr>
+              <a:t>Nested </a:t>
+            </a:r>
+            <a:endParaRPr lang="en-US" dirty="0"/>
+          </a:p>
+        </p:txBody>
+      </p:sp>
+      <p:pic>
+        <p:nvPicPr>
+          <p:cNvPr id="7" name="Content Placeholder 6">
+            <a:extLst>
+              <a:ext uri="{FF2B5EF4-FFF2-40B4-BE49-F238E27FC236}">
+                <a16:creationId xmlns:a16="http://schemas.microsoft.com/office/drawing/2014/main" id="{04D77D34-4461-4094-BD69-718B38402D3B}"/>
+              </a:ext>
+            </a:extLst>
+          </p:cNvPr>
+          <p:cNvPicPr>
+            <a:picLocks noGrp="1" noChangeAspect="1"/>
+          </p:cNvPicPr>
+          <p:nvPr>
+            <p:ph idx="1"/>
+          </p:nvPr>
+        </p:nvPicPr>
+        <p:blipFill>
+          <a:blip r:embed="rId2"/>
+          <a:stretch>
+            <a:fillRect/>
+          </a:stretch>
+        </p:blipFill>
+        <p:spPr>
+          <a:xfrm>
+            <a:off x="1322615" y="3135458"/>
+            <a:ext cx="3886200" cy="1695450"/>
+          </a:xfrm>
+          <a:prstGeom prst="rect">
+            <a:avLst/>
+          </a:prstGeom>
+        </p:spPr>
+      </p:pic>
+      <p:pic>
+        <p:nvPicPr>
+          <p:cNvPr id="8" name="Picture 7">
+            <a:extLst>
+              <a:ext uri="{FF2B5EF4-FFF2-40B4-BE49-F238E27FC236}">
+                <a16:creationId xmlns:a16="http://schemas.microsoft.com/office/drawing/2014/main" id="{D02AF8A9-6D0D-4549-8560-EBC067876365}"/>
+              </a:ext>
+            </a:extLst>
+          </p:cNvPr>
+          <p:cNvPicPr>
+            <a:picLocks noChangeAspect="1"/>
+          </p:cNvPicPr>
+          <p:nvPr/>
+        </p:nvPicPr>
+        <p:blipFill>
+          <a:blip r:embed="rId3"/>
+          <a:stretch>
+            <a:fillRect/>
+          </a:stretch>
+        </p:blipFill>
+        <p:spPr>
+          <a:xfrm>
+            <a:off x="6383110" y="2369457"/>
+            <a:ext cx="4486275" cy="3514725"/>
+          </a:xfrm>
+          <a:prstGeom prst="rect">
+            <a:avLst/>
+          </a:prstGeom>
+        </p:spPr>
+      </p:pic>
+      <p:sp>
+        <p:nvSpPr>
+          <p:cNvPr id="9" name="Cross 8">
+            <a:extLst>
+              <a:ext uri="{FF2B5EF4-FFF2-40B4-BE49-F238E27FC236}">
+                <a16:creationId xmlns:a16="http://schemas.microsoft.com/office/drawing/2014/main" id="{62AF436A-01EE-4152-B987-FA25B66E62D7}"/>
+              </a:ext>
+            </a:extLst>
+          </p:cNvPr>
+          <p:cNvSpPr/>
+          <p:nvPr/>
+        </p:nvSpPr>
+        <p:spPr>
+          <a:xfrm>
+            <a:off x="5471887" y="3657600"/>
+            <a:ext cx="682171" cy="696686"/>
+          </a:xfrm>
+          <a:prstGeom prst="plus">
+            <a:avLst>
+              <a:gd name="adj" fmla="val 34362"/>
+            </a:avLst>
+          </a:prstGeom>
+        </p:spPr>
+        <p:style>
+          <a:lnRef idx="2">
+            <a:schemeClr val="accent1">
+              <a:shade val="50000"/>
+            </a:schemeClr>
+          </a:lnRef>
+          <a:fillRef idx="1">
+            <a:schemeClr val="accent1"/>
+          </a:fillRef>
+          <a:effectRef idx="0">
+            <a:schemeClr val="accent1"/>
+          </a:effectRef>
+          <a:fontRef idx="minor">
+            <a:schemeClr val="lt1"/>
+          </a:fontRef>
+        </p:style>
+        <p:txBody>
+          <a:bodyPr rtlCol="0" anchor="ctr"/>
+          <a:lstStyle/>
+          <a:p>
+            <a:pPr algn="ctr"/>
+            <a:endParaRPr lang="en-US"/>
+          </a:p>
+        </p:txBody>
+      </p:sp>
+      <p:sp>
+        <p:nvSpPr>
+          <p:cNvPr id="10" name="TextBox 9">
+            <a:extLst>
+              <a:ext uri="{FF2B5EF4-FFF2-40B4-BE49-F238E27FC236}">
+                <a16:creationId xmlns:a16="http://schemas.microsoft.com/office/drawing/2014/main" id="{0EBA43D2-11BC-4BEB-A9C6-66D8FF317B12}"/>
+              </a:ext>
+            </a:extLst>
+          </p:cNvPr>
+          <p:cNvSpPr txBox="1"/>
+          <p:nvPr/>
+        </p:nvSpPr>
+        <p:spPr>
+          <a:xfrm>
+            <a:off x="2843484" y="2766126"/>
+            <a:ext cx="954107" cy="369332"/>
+          </a:xfrm>
+          <a:prstGeom prst="rect">
+            <a:avLst/>
+          </a:prstGeom>
+          <a:noFill/>
+        </p:spPr>
+        <p:txBody>
+          <a:bodyPr wrap="none" rtlCol="0">
+            <a:spAutoFit/>
+          </a:bodyPr>
+          <a:lstStyle/>
+          <a:p>
+            <a:r>
+              <a:rPr lang="en-US" b="1" dirty="0">
+                <a:solidFill>
+                  <a:srgbClr val="0070C0"/>
+                </a:solidFill>
+                <a:latin typeface="Arial" panose="020B0604020202020204" pitchFamily="34" charset="0"/>
+                <a:cs typeface="Arial" panose="020B0604020202020204" pitchFamily="34" charset="0"/>
+              </a:rPr>
+              <a:t>batters</a:t>
+            </a:r>
+          </a:p>
+        </p:txBody>
+      </p:sp>
+      <p:sp>
+        <p:nvSpPr>
+          <p:cNvPr id="11" name="TextBox 10">
+            <a:extLst>
+              <a:ext uri="{FF2B5EF4-FFF2-40B4-BE49-F238E27FC236}">
+                <a16:creationId xmlns:a16="http://schemas.microsoft.com/office/drawing/2014/main" id="{FD80A343-FBBF-4E92-A691-A3893EE22669}"/>
+              </a:ext>
+            </a:extLst>
+          </p:cNvPr>
+          <p:cNvSpPr txBox="1"/>
+          <p:nvPr/>
+        </p:nvSpPr>
+        <p:spPr>
+          <a:xfrm>
+            <a:off x="8127072" y="1994004"/>
+            <a:ext cx="1159292" cy="369332"/>
+          </a:xfrm>
+          <a:prstGeom prst="rect">
+            <a:avLst/>
+          </a:prstGeom>
+          <a:noFill/>
+        </p:spPr>
+        <p:txBody>
+          <a:bodyPr wrap="none" rtlCol="0">
+            <a:spAutoFit/>
+          </a:bodyPr>
+          <a:lstStyle/>
+          <a:p>
+            <a:r>
+              <a:rPr lang="en-US" b="1" dirty="0">
+                <a:solidFill>
+                  <a:srgbClr val="0070C0"/>
+                </a:solidFill>
+                <a:latin typeface="Arial" panose="020B0604020202020204" pitchFamily="34" charset="0"/>
+                <a:cs typeface="Arial" panose="020B0604020202020204" pitchFamily="34" charset="0"/>
+              </a:rPr>
+              <a:t>toppings</a:t>
+            </a:r>
+          </a:p>
+        </p:txBody>
+      </p:sp>
+    </p:spTree>
+    <p:extLst>
+      <p:ext uri="{BB962C8B-B14F-4D97-AF65-F5344CB8AC3E}">
+        <p14:creationId xmlns:p14="http://schemas.microsoft.com/office/powerpoint/2010/main" val="4171382563"/>
+      </p:ext>
+    </p:extLst>
+  </p:cSld>
+  <p:clrMapOvr>
+    <a:masterClrMapping/>
+  </p:clrMapOvr>
+</p:sld>
+</file>
+
+<file path=ppt/slides/slide26.xml><?xml version="1.0" encoding="utf-8"?>
+<p:sld xmlns:a="http://schemas.openxmlformats.org/drawingml/2006/main" xmlns:r="http://schemas.openxmlformats.org/officeDocument/2006/relationships" xmlns:p="http://schemas.openxmlformats.org/presentationml/2006/main">
+  <p:cSld>
+    <p:spTree>
+      <p:nvGrpSpPr>
+        <p:cNvPr id="1" name=""/>
+        <p:cNvGrpSpPr/>
+        <p:nvPr/>
+      </p:nvGrpSpPr>
+      <p:grpSpPr>
+        <a:xfrm>
+          <a:off x="0" y="0"/>
+          <a:ext cx="0" cy="0"/>
+          <a:chOff x="0" y="0"/>
+          <a:chExt cx="0" cy="0"/>
+        </a:xfrm>
+      </p:grpSpPr>
+      <p:sp>
+        <p:nvSpPr>
+          <p:cNvPr id="2" name="Title 1">
+            <a:extLst>
+              <a:ext uri="{FF2B5EF4-FFF2-40B4-BE49-F238E27FC236}">
                 <a16:creationId xmlns:a16="http://schemas.microsoft.com/office/drawing/2014/main" id="{D3EA22F3-ABCB-4448-B5CA-FD8561AAF5FE}"/>
               </a:ext>
             </a:extLst>
@@ -10805,28 +11189,7 @@
                 <a:latin typeface="Lucida Console" panose="020B0609040504020204" pitchFamily="49" charset="0"/>
                 <a:cs typeface="Arial" panose="020B0604020202020204" pitchFamily="34" charset="0"/>
               </a:rPr>
-              <a:t>tidy_recipes &lt;- left_join(batters,</a:t>
-            </a:r>
-          </a:p>
-          <a:p>
-            <a:pPr marL="0" indent="0">
-              <a:lnSpc>
-                <a:spcPct val="100000"/>
-              </a:lnSpc>
-              <a:spcBef>
-                <a:spcPts val="0"/>
-              </a:spcBef>
-              <a:buNone/>
-            </a:pPr>
-            <a:r>
-              <a:rPr lang="sv-SE" sz="1200" b="1" dirty="0">
-                <a:solidFill>
-                  <a:schemeClr val="tx1"/>
-                </a:solidFill>
-                <a:latin typeface="Lucida Console" panose="020B0609040504020204" pitchFamily="49" charset="0"/>
-                <a:cs typeface="Arial" panose="020B0604020202020204" pitchFamily="34" charset="0"/>
-              </a:rPr>
-              <a:t>		      toppings)</a:t>
+              <a:t>tidy_recipes &lt;- left_join(batters, toppings)</a:t>
             </a:r>
           </a:p>
         </p:txBody>
@@ -10876,7 +11239,7 @@
 </p:sld>
 </file>
 
-<file path=ppt/slides/slide26.xml><?xml version="1.0" encoding="utf-8"?>
+<file path=ppt/slides/slide27.xml><?xml version="1.0" encoding="utf-8"?>
 <p:sld xmlns:a="http://schemas.openxmlformats.org/drawingml/2006/main" xmlns:r="http://schemas.openxmlformats.org/officeDocument/2006/relationships" xmlns:p="http://schemas.openxmlformats.org/presentationml/2006/main">
   <p:cSld>
     <p:spTree>
@@ -11027,7 +11390,7 @@
 </p:sld>
 </file>
 
-<file path=ppt/slides/slide27.xml><?xml version="1.0" encoding="utf-8"?>
+<file path=ppt/slides/slide28.xml><?xml version="1.0" encoding="utf-8"?>
 <p:sld xmlns:a="http://schemas.openxmlformats.org/drawingml/2006/main" xmlns:r="http://schemas.openxmlformats.org/officeDocument/2006/relationships" xmlns:p="http://schemas.openxmlformats.org/presentationml/2006/main">
   <p:cSld>
     <p:spTree>

--- a/Introduction To R & JSON.pptx
+++ b/Introduction To R & JSON.pptx
@@ -9492,74 +9492,32 @@
           </a:p>
         </p:txBody>
       </p:sp>
-      <p:sp>
-        <p:nvSpPr>
-          <p:cNvPr id="5" name="Content Placeholder 4">
-            <a:extLst>
-              <a:ext uri="{FF2B5EF4-FFF2-40B4-BE49-F238E27FC236}">
-                <a16:creationId xmlns:a16="http://schemas.microsoft.com/office/drawing/2014/main" id="{D34C07B9-6572-4957-A534-F665C40DA2D3}"/>
-              </a:ext>
-            </a:extLst>
-          </p:cNvPr>
-          <p:cNvSpPr>
-            <a:spLocks noGrp="1"/>
-          </p:cNvSpPr>
+      <p:pic>
+        <p:nvPicPr>
+          <p:cNvPr id="9" name="Content Placeholder 8">
+            <a:extLst>
+              <a:ext uri="{FF2B5EF4-FFF2-40B4-BE49-F238E27FC236}">
+                <a16:creationId xmlns:a16="http://schemas.microsoft.com/office/drawing/2014/main" id="{3D3BFF0F-6F8D-4FDE-8860-3B184C17117A}"/>
+              </a:ext>
+            </a:extLst>
+          </p:cNvPr>
+          <p:cNvPicPr>
+            <a:picLocks noGrp="1" noChangeAspect="1"/>
+          </p:cNvPicPr>
           <p:nvPr>
             <p:ph idx="1"/>
           </p:nvPr>
-        </p:nvSpPr>
-        <p:spPr/>
-        <p:txBody>
-          <a:bodyPr/>
-          <a:lstStyle/>
-          <a:p>
-            <a:pPr marL="0" indent="0">
-              <a:buNone/>
-            </a:pPr>
-            <a:r>
-              <a:rPr lang="en-US" dirty="0"/>
-              <a:t>Read JSON data from website: </a:t>
-            </a:r>
-            <a:r>
-              <a:rPr lang="en-US" dirty="0">
-                <a:hlinkClick r:id="rId2"/>
-              </a:rPr>
-              <a:t>https://infopemilu.kpu.go.id/</a:t>
-            </a:r>
-            <a:endParaRPr lang="en-US" dirty="0"/>
-          </a:p>
-          <a:p>
-            <a:pPr marL="0" indent="0">
-              <a:buNone/>
-            </a:pPr>
-            <a:endParaRPr lang="en-US" dirty="0"/>
-          </a:p>
-        </p:txBody>
-      </p:sp>
-      <p:pic>
-        <p:nvPicPr>
-          <p:cNvPr id="2" name="Picture 1">
-            <a:extLst>
-              <a:ext uri="{FF2B5EF4-FFF2-40B4-BE49-F238E27FC236}">
-                <a16:creationId xmlns:a16="http://schemas.microsoft.com/office/drawing/2014/main" id="{F749F336-1101-4488-86E1-CE5BB06759E7}"/>
-              </a:ext>
-            </a:extLst>
-          </p:cNvPr>
-          <p:cNvPicPr>
-            <a:picLocks noChangeAspect="1"/>
-          </p:cNvPicPr>
-          <p:nvPr/>
         </p:nvPicPr>
         <p:blipFill>
-          <a:blip r:embed="rId3"/>
+          <a:blip r:embed="rId2"/>
           <a:stretch>
             <a:fillRect/>
           </a:stretch>
         </p:blipFill>
         <p:spPr>
           <a:xfrm>
-            <a:off x="746760" y="1692029"/>
-            <a:ext cx="10698480" cy="4851548"/>
+            <a:off x="1298281" y="1825625"/>
+            <a:ext cx="9595438" cy="4351338"/>
           </a:xfrm>
           <a:prstGeom prst="rect">
             <a:avLst/>
@@ -9661,74 +9619,32 @@
           </a:p>
         </p:txBody>
       </p:sp>
-      <p:sp>
-        <p:nvSpPr>
-          <p:cNvPr id="5" name="Content Placeholder 4">
-            <a:extLst>
-              <a:ext uri="{FF2B5EF4-FFF2-40B4-BE49-F238E27FC236}">
-                <a16:creationId xmlns:a16="http://schemas.microsoft.com/office/drawing/2014/main" id="{D34C07B9-6572-4957-A534-F665C40DA2D3}"/>
-              </a:ext>
-            </a:extLst>
-          </p:cNvPr>
-          <p:cNvSpPr>
-            <a:spLocks noGrp="1"/>
-          </p:cNvSpPr>
+      <p:pic>
+        <p:nvPicPr>
+          <p:cNvPr id="6" name="Content Placeholder 5">
+            <a:extLst>
+              <a:ext uri="{FF2B5EF4-FFF2-40B4-BE49-F238E27FC236}">
+                <a16:creationId xmlns:a16="http://schemas.microsoft.com/office/drawing/2014/main" id="{DE20AEE5-3E0A-47D9-BFC8-8A645E53E835}"/>
+              </a:ext>
+            </a:extLst>
+          </p:cNvPr>
+          <p:cNvPicPr>
+            <a:picLocks noGrp="1" noChangeAspect="1"/>
+          </p:cNvPicPr>
           <p:nvPr>
             <p:ph idx="1"/>
           </p:nvPr>
-        </p:nvSpPr>
-        <p:spPr/>
-        <p:txBody>
-          <a:bodyPr/>
-          <a:lstStyle/>
-          <a:p>
-            <a:pPr marL="0" indent="0">
-              <a:buNone/>
-            </a:pPr>
-            <a:r>
-              <a:rPr lang="en-US" dirty="0"/>
-              <a:t>Read JSON data from website: </a:t>
-            </a:r>
-            <a:r>
-              <a:rPr lang="en-US" dirty="0">
-                <a:hlinkClick r:id="rId2"/>
-              </a:rPr>
-              <a:t>https://infopemilu.kpu.go.id/</a:t>
-            </a:r>
-            <a:endParaRPr lang="en-US" dirty="0"/>
-          </a:p>
-          <a:p>
-            <a:pPr marL="0" indent="0">
-              <a:buNone/>
-            </a:pPr>
-            <a:endParaRPr lang="en-US" dirty="0"/>
-          </a:p>
-        </p:txBody>
-      </p:sp>
-      <p:pic>
-        <p:nvPicPr>
-          <p:cNvPr id="3" name="Picture 2">
-            <a:extLst>
-              <a:ext uri="{FF2B5EF4-FFF2-40B4-BE49-F238E27FC236}">
-                <a16:creationId xmlns:a16="http://schemas.microsoft.com/office/drawing/2014/main" id="{A0648BC6-ADE2-4F9A-A470-01C9D20A6070}"/>
-              </a:ext>
-            </a:extLst>
-          </p:cNvPr>
-          <p:cNvPicPr>
-            <a:picLocks noChangeAspect="1"/>
-          </p:cNvPicPr>
-          <p:nvPr/>
         </p:nvPicPr>
         <p:blipFill>
-          <a:blip r:embed="rId3"/>
+          <a:blip r:embed="rId2"/>
           <a:stretch>
             <a:fillRect/>
           </a:stretch>
         </p:blipFill>
         <p:spPr>
           <a:xfrm>
-            <a:off x="0" y="1764340"/>
-            <a:ext cx="12192000" cy="4934006"/>
+            <a:off x="838200" y="1873504"/>
+            <a:ext cx="10515600" cy="4255580"/>
           </a:xfrm>
           <a:prstGeom prst="rect">
             <a:avLst/>
@@ -10177,6 +10093,218 @@
           <a:xfrm>
             <a:off x="4235594" y="1960418"/>
             <a:ext cx="7572375" cy="914400"/>
+          </a:xfrm>
+          <a:prstGeom prst="rect">
+            <a:avLst/>
+          </a:prstGeom>
+        </p:spPr>
+      </p:pic>
+      <p:pic>
+        <p:nvPicPr>
+          <p:cNvPr id="5" name="Picture 4">
+            <a:extLst>
+              <a:ext uri="{FF2B5EF4-FFF2-40B4-BE49-F238E27FC236}">
+                <a16:creationId xmlns:a16="http://schemas.microsoft.com/office/drawing/2014/main" id="{61F8600C-7E25-4783-9A17-55AFCD493A8B}"/>
+              </a:ext>
+            </a:extLst>
+          </p:cNvPr>
+          <p:cNvPicPr>
+            <a:picLocks noChangeAspect="1"/>
+          </p:cNvPicPr>
+          <p:nvPr/>
+        </p:nvPicPr>
+        <p:blipFill>
+          <a:blip r:embed="rId4"/>
+          <a:stretch>
+            <a:fillRect/>
+          </a:stretch>
+        </p:blipFill>
+        <p:spPr>
+          <a:xfrm>
+            <a:off x="7548476" y="3429000"/>
+            <a:ext cx="1323975" cy="1685925"/>
+          </a:xfrm>
+          <a:prstGeom prst="rect">
+            <a:avLst/>
+          </a:prstGeom>
+        </p:spPr>
+      </p:pic>
+      <p:cxnSp>
+        <p:nvCxnSpPr>
+          <p:cNvPr id="7" name="Straight Connector 6">
+            <a:extLst>
+              <a:ext uri="{FF2B5EF4-FFF2-40B4-BE49-F238E27FC236}">
+                <a16:creationId xmlns:a16="http://schemas.microsoft.com/office/drawing/2014/main" id="{E5902397-B2D6-4B9D-856E-5D46CE04E042}"/>
+              </a:ext>
+            </a:extLst>
+          </p:cNvPr>
+          <p:cNvCxnSpPr>
+            <a:cxnSpLocks/>
+          </p:cNvCxnSpPr>
+          <p:nvPr/>
+        </p:nvCxnSpPr>
+        <p:spPr>
+          <a:xfrm>
+            <a:off x="6778171" y="2874818"/>
+            <a:ext cx="770305" cy="554182"/>
+          </a:xfrm>
+          <a:prstGeom prst="line">
+            <a:avLst/>
+          </a:prstGeom>
+        </p:spPr>
+        <p:style>
+          <a:lnRef idx="1">
+            <a:schemeClr val="accent1"/>
+          </a:lnRef>
+          <a:fillRef idx="0">
+            <a:schemeClr val="accent1"/>
+          </a:fillRef>
+          <a:effectRef idx="0">
+            <a:schemeClr val="accent1"/>
+          </a:effectRef>
+          <a:fontRef idx="minor">
+            <a:schemeClr val="tx1"/>
+          </a:fontRef>
+        </p:style>
+      </p:cxnSp>
+      <p:cxnSp>
+        <p:nvCxnSpPr>
+          <p:cNvPr id="8" name="Straight Connector 7">
+            <a:extLst>
+              <a:ext uri="{FF2B5EF4-FFF2-40B4-BE49-F238E27FC236}">
+                <a16:creationId xmlns:a16="http://schemas.microsoft.com/office/drawing/2014/main" id="{52EC31D4-D42F-4A4C-BEDC-C4D0FD59D6BC}"/>
+              </a:ext>
+            </a:extLst>
+          </p:cNvPr>
+          <p:cNvCxnSpPr>
+            <a:cxnSpLocks/>
+          </p:cNvCxnSpPr>
+          <p:nvPr/>
+        </p:nvCxnSpPr>
+        <p:spPr>
+          <a:xfrm flipH="1">
+            <a:off x="8872451" y="2874818"/>
+            <a:ext cx="833089" cy="554182"/>
+          </a:xfrm>
+          <a:prstGeom prst="line">
+            <a:avLst/>
+          </a:prstGeom>
+        </p:spPr>
+        <p:style>
+          <a:lnRef idx="1">
+            <a:schemeClr val="accent1"/>
+          </a:lnRef>
+          <a:fillRef idx="0">
+            <a:schemeClr val="accent1"/>
+          </a:fillRef>
+          <a:effectRef idx="0">
+            <a:schemeClr val="accent1"/>
+          </a:effectRef>
+          <a:fontRef idx="minor">
+            <a:schemeClr val="tx1"/>
+          </a:fontRef>
+        </p:style>
+      </p:cxnSp>
+      <p:cxnSp>
+        <p:nvCxnSpPr>
+          <p:cNvPr id="14" name="Straight Connector 13">
+            <a:extLst>
+              <a:ext uri="{FF2B5EF4-FFF2-40B4-BE49-F238E27FC236}">
+                <a16:creationId xmlns:a16="http://schemas.microsoft.com/office/drawing/2014/main" id="{178043BF-C78E-4C5C-A7D0-62B6F9A6A74F}"/>
+              </a:ext>
+            </a:extLst>
+          </p:cNvPr>
+          <p:cNvCxnSpPr>
+            <a:cxnSpLocks/>
+          </p:cNvCxnSpPr>
+          <p:nvPr/>
+        </p:nvCxnSpPr>
+        <p:spPr>
+          <a:xfrm>
+            <a:off x="9697753" y="2886507"/>
+            <a:ext cx="136021" cy="289746"/>
+          </a:xfrm>
+          <a:prstGeom prst="line">
+            <a:avLst/>
+          </a:prstGeom>
+        </p:spPr>
+        <p:style>
+          <a:lnRef idx="1">
+            <a:schemeClr val="accent1"/>
+          </a:lnRef>
+          <a:fillRef idx="0">
+            <a:schemeClr val="accent1"/>
+          </a:fillRef>
+          <a:effectRef idx="0">
+            <a:schemeClr val="accent1"/>
+          </a:effectRef>
+          <a:fontRef idx="minor">
+            <a:schemeClr val="tx1"/>
+          </a:fontRef>
+        </p:style>
+      </p:cxnSp>
+      <p:cxnSp>
+        <p:nvCxnSpPr>
+          <p:cNvPr id="15" name="Straight Connector 14">
+            <a:extLst>
+              <a:ext uri="{FF2B5EF4-FFF2-40B4-BE49-F238E27FC236}">
+                <a16:creationId xmlns:a16="http://schemas.microsoft.com/office/drawing/2014/main" id="{31F1AE53-77B2-4EC1-BBFA-8511EA06F21B}"/>
+              </a:ext>
+            </a:extLst>
+          </p:cNvPr>
+          <p:cNvCxnSpPr>
+            <a:cxnSpLocks/>
+          </p:cNvCxnSpPr>
+          <p:nvPr/>
+        </p:nvCxnSpPr>
+        <p:spPr>
+          <a:xfrm flipH="1">
+            <a:off x="11729249" y="2874818"/>
+            <a:ext cx="70572" cy="301435"/>
+          </a:xfrm>
+          <a:prstGeom prst="line">
+            <a:avLst/>
+          </a:prstGeom>
+        </p:spPr>
+        <p:style>
+          <a:lnRef idx="1">
+            <a:schemeClr val="accent1"/>
+          </a:lnRef>
+          <a:fillRef idx="0">
+            <a:schemeClr val="accent1"/>
+          </a:fillRef>
+          <a:effectRef idx="0">
+            <a:schemeClr val="accent1"/>
+          </a:effectRef>
+          <a:fontRef idx="minor">
+            <a:schemeClr val="tx1"/>
+          </a:fontRef>
+        </p:style>
+      </p:cxnSp>
+      <p:pic>
+        <p:nvPicPr>
+          <p:cNvPr id="16" name="Picture 15">
+            <a:extLst>
+              <a:ext uri="{FF2B5EF4-FFF2-40B4-BE49-F238E27FC236}">
+                <a16:creationId xmlns:a16="http://schemas.microsoft.com/office/drawing/2014/main" id="{C09E32A7-9324-4A13-BF3B-5037C89F9625}"/>
+              </a:ext>
+            </a:extLst>
+          </p:cNvPr>
+          <p:cNvPicPr>
+            <a:picLocks noChangeAspect="1"/>
+          </p:cNvPicPr>
+          <p:nvPr/>
+        </p:nvPicPr>
+        <p:blipFill>
+          <a:blip r:embed="rId5"/>
+          <a:stretch>
+            <a:fillRect/>
+          </a:stretch>
+        </p:blipFill>
+        <p:spPr>
+          <a:xfrm>
+            <a:off x="9833774" y="3176253"/>
+            <a:ext cx="1895475" cy="3552825"/>
           </a:xfrm>
           <a:prstGeom prst="rect">
             <a:avLst/>
